--- a/Prezentare.pptx
+++ b/Prezentare.pptx
@@ -10731,6 +10731,358 @@
           </a:p>
         </p:txBody>
       </p:sp>
+      <p:sp>
+        <p:nvSpPr>
+          <p:cNvPr id="2" name="Google Shape;373;p13">
+            <a:extLst>
+              <a:ext uri="{FF2B5EF4-FFF2-40B4-BE49-F238E27FC236}">
+                <a16:creationId xmlns:a16="http://schemas.microsoft.com/office/drawing/2014/main" id="{F7348AAB-423D-DF72-2A27-20E62B931EA9}"/>
+              </a:ext>
+            </a:extLst>
+          </p:cNvPr>
+          <p:cNvSpPr txBox="1">
+            <a:spLocks/>
+          </p:cNvSpPr>
+          <p:nvPr/>
+        </p:nvSpPr>
+        <p:spPr>
+          <a:xfrm>
+            <a:off x="4104497" y="3655417"/>
+            <a:ext cx="4666400" cy="1159800"/>
+          </a:xfrm>
+          <a:prstGeom prst="rect">
+            <a:avLst/>
+          </a:prstGeom>
+          <a:noFill/>
+          <a:ln>
+            <a:noFill/>
+          </a:ln>
+        </p:spPr>
+        <p:txBody>
+          <a:bodyPr spcFirstLastPara="1" wrap="square" lIns="0" tIns="0" rIns="0" bIns="0" anchor="ctr" anchorCtr="0">
+            <a:noAutofit/>
+          </a:bodyPr>
+          <a:lstStyle>
+            <a:defPPr marR="0" lvl="0" algn="l" rtl="0">
+              <a:lnSpc>
+                <a:spcPct val="100000"/>
+              </a:lnSpc>
+              <a:spcBef>
+                <a:spcPts val="0"/>
+              </a:spcBef>
+              <a:spcAft>
+                <a:spcPts val="0"/>
+              </a:spcAft>
+            </a:defPPr>
+            <a:lvl1pPr marR="0" lvl="0" algn="l" rtl="0">
+              <a:lnSpc>
+                <a:spcPct val="90000"/>
+              </a:lnSpc>
+              <a:spcBef>
+                <a:spcPts val="0"/>
+              </a:spcBef>
+              <a:spcAft>
+                <a:spcPts val="0"/>
+              </a:spcAft>
+              <a:buClr>
+                <a:schemeClr val="dk1"/>
+              </a:buClr>
+              <a:buSzPts val="7200"/>
+              <a:buFont typeface="Bebas Neue"/>
+              <a:buNone/>
+              <a:defRPr sz="7200" b="0" i="0" u="none" strike="noStrike" cap="none">
+                <a:solidFill>
+                  <a:schemeClr val="dk1"/>
+                </a:solidFill>
+                <a:latin typeface="Bebas Neue"/>
+                <a:ea typeface="Bebas Neue"/>
+                <a:cs typeface="Bebas Neue"/>
+                <a:sym typeface="Bebas Neue"/>
+              </a:defRPr>
+            </a:lvl1pPr>
+            <a:lvl2pPr marR="0" lvl="1" algn="l" rtl="0">
+              <a:lnSpc>
+                <a:spcPct val="90000"/>
+              </a:lnSpc>
+              <a:spcBef>
+                <a:spcPts val="0"/>
+              </a:spcBef>
+              <a:spcAft>
+                <a:spcPts val="0"/>
+              </a:spcAft>
+              <a:buClr>
+                <a:schemeClr val="dk1"/>
+              </a:buClr>
+              <a:buSzPts val="7200"/>
+              <a:buFont typeface="Bebas Neue"/>
+              <a:buNone/>
+              <a:defRPr sz="7200" b="0" i="0" u="none" strike="noStrike" cap="none">
+                <a:solidFill>
+                  <a:schemeClr val="dk1"/>
+                </a:solidFill>
+                <a:latin typeface="Bebas Neue"/>
+                <a:ea typeface="Bebas Neue"/>
+                <a:cs typeface="Bebas Neue"/>
+                <a:sym typeface="Bebas Neue"/>
+              </a:defRPr>
+            </a:lvl2pPr>
+            <a:lvl3pPr marR="0" lvl="2" algn="l" rtl="0">
+              <a:lnSpc>
+                <a:spcPct val="90000"/>
+              </a:lnSpc>
+              <a:spcBef>
+                <a:spcPts val="0"/>
+              </a:spcBef>
+              <a:spcAft>
+                <a:spcPts val="0"/>
+              </a:spcAft>
+              <a:buClr>
+                <a:schemeClr val="dk1"/>
+              </a:buClr>
+              <a:buSzPts val="7200"/>
+              <a:buFont typeface="Bebas Neue"/>
+              <a:buNone/>
+              <a:defRPr sz="7200" b="0" i="0" u="none" strike="noStrike" cap="none">
+                <a:solidFill>
+                  <a:schemeClr val="dk1"/>
+                </a:solidFill>
+                <a:latin typeface="Bebas Neue"/>
+                <a:ea typeface="Bebas Neue"/>
+                <a:cs typeface="Bebas Neue"/>
+                <a:sym typeface="Bebas Neue"/>
+              </a:defRPr>
+            </a:lvl3pPr>
+            <a:lvl4pPr marR="0" lvl="3" algn="l" rtl="0">
+              <a:lnSpc>
+                <a:spcPct val="90000"/>
+              </a:lnSpc>
+              <a:spcBef>
+                <a:spcPts val="0"/>
+              </a:spcBef>
+              <a:spcAft>
+                <a:spcPts val="0"/>
+              </a:spcAft>
+              <a:buClr>
+                <a:schemeClr val="dk1"/>
+              </a:buClr>
+              <a:buSzPts val="7200"/>
+              <a:buFont typeface="Bebas Neue"/>
+              <a:buNone/>
+              <a:defRPr sz="7200" b="0" i="0" u="none" strike="noStrike" cap="none">
+                <a:solidFill>
+                  <a:schemeClr val="dk1"/>
+                </a:solidFill>
+                <a:latin typeface="Bebas Neue"/>
+                <a:ea typeface="Bebas Neue"/>
+                <a:cs typeface="Bebas Neue"/>
+                <a:sym typeface="Bebas Neue"/>
+              </a:defRPr>
+            </a:lvl4pPr>
+            <a:lvl5pPr marR="0" lvl="4" algn="l" rtl="0">
+              <a:lnSpc>
+                <a:spcPct val="90000"/>
+              </a:lnSpc>
+              <a:spcBef>
+                <a:spcPts val="0"/>
+              </a:spcBef>
+              <a:spcAft>
+                <a:spcPts val="0"/>
+              </a:spcAft>
+              <a:buClr>
+                <a:schemeClr val="dk1"/>
+              </a:buClr>
+              <a:buSzPts val="7200"/>
+              <a:buFont typeface="Bebas Neue"/>
+              <a:buNone/>
+              <a:defRPr sz="7200" b="0" i="0" u="none" strike="noStrike" cap="none">
+                <a:solidFill>
+                  <a:schemeClr val="dk1"/>
+                </a:solidFill>
+                <a:latin typeface="Bebas Neue"/>
+                <a:ea typeface="Bebas Neue"/>
+                <a:cs typeface="Bebas Neue"/>
+                <a:sym typeface="Bebas Neue"/>
+              </a:defRPr>
+            </a:lvl5pPr>
+            <a:lvl6pPr marR="0" lvl="5" algn="l" rtl="0">
+              <a:lnSpc>
+                <a:spcPct val="90000"/>
+              </a:lnSpc>
+              <a:spcBef>
+                <a:spcPts val="0"/>
+              </a:spcBef>
+              <a:spcAft>
+                <a:spcPts val="0"/>
+              </a:spcAft>
+              <a:buClr>
+                <a:schemeClr val="dk1"/>
+              </a:buClr>
+              <a:buSzPts val="7200"/>
+              <a:buFont typeface="Bebas Neue"/>
+              <a:buNone/>
+              <a:defRPr sz="7200" b="0" i="0" u="none" strike="noStrike" cap="none">
+                <a:solidFill>
+                  <a:schemeClr val="dk1"/>
+                </a:solidFill>
+                <a:latin typeface="Bebas Neue"/>
+                <a:ea typeface="Bebas Neue"/>
+                <a:cs typeface="Bebas Neue"/>
+                <a:sym typeface="Bebas Neue"/>
+              </a:defRPr>
+            </a:lvl6pPr>
+            <a:lvl7pPr marR="0" lvl="6" algn="l" rtl="0">
+              <a:lnSpc>
+                <a:spcPct val="90000"/>
+              </a:lnSpc>
+              <a:spcBef>
+                <a:spcPts val="0"/>
+              </a:spcBef>
+              <a:spcAft>
+                <a:spcPts val="0"/>
+              </a:spcAft>
+              <a:buClr>
+                <a:schemeClr val="dk1"/>
+              </a:buClr>
+              <a:buSzPts val="7200"/>
+              <a:buFont typeface="Bebas Neue"/>
+              <a:buNone/>
+              <a:defRPr sz="7200" b="0" i="0" u="none" strike="noStrike" cap="none">
+                <a:solidFill>
+                  <a:schemeClr val="dk1"/>
+                </a:solidFill>
+                <a:latin typeface="Bebas Neue"/>
+                <a:ea typeface="Bebas Neue"/>
+                <a:cs typeface="Bebas Neue"/>
+                <a:sym typeface="Bebas Neue"/>
+              </a:defRPr>
+            </a:lvl7pPr>
+            <a:lvl8pPr marR="0" lvl="7" algn="l" rtl="0">
+              <a:lnSpc>
+                <a:spcPct val="90000"/>
+              </a:lnSpc>
+              <a:spcBef>
+                <a:spcPts val="0"/>
+              </a:spcBef>
+              <a:spcAft>
+                <a:spcPts val="0"/>
+              </a:spcAft>
+              <a:buClr>
+                <a:schemeClr val="dk1"/>
+              </a:buClr>
+              <a:buSzPts val="7200"/>
+              <a:buFont typeface="Bebas Neue"/>
+              <a:buNone/>
+              <a:defRPr sz="7200" b="0" i="0" u="none" strike="noStrike" cap="none">
+                <a:solidFill>
+                  <a:schemeClr val="dk1"/>
+                </a:solidFill>
+                <a:latin typeface="Bebas Neue"/>
+                <a:ea typeface="Bebas Neue"/>
+                <a:cs typeface="Bebas Neue"/>
+                <a:sym typeface="Bebas Neue"/>
+              </a:defRPr>
+            </a:lvl8pPr>
+            <a:lvl9pPr marR="0" lvl="8" algn="l" rtl="0">
+              <a:lnSpc>
+                <a:spcPct val="90000"/>
+              </a:lnSpc>
+              <a:spcBef>
+                <a:spcPts val="0"/>
+              </a:spcBef>
+              <a:spcAft>
+                <a:spcPts val="0"/>
+              </a:spcAft>
+              <a:buClr>
+                <a:schemeClr val="dk1"/>
+              </a:buClr>
+              <a:buSzPts val="7200"/>
+              <a:buFont typeface="Bebas Neue"/>
+              <a:buNone/>
+              <a:defRPr sz="7200" b="0" i="0" u="none" strike="noStrike" cap="none">
+                <a:solidFill>
+                  <a:schemeClr val="dk1"/>
+                </a:solidFill>
+                <a:latin typeface="Bebas Neue"/>
+                <a:ea typeface="Bebas Neue"/>
+                <a:cs typeface="Bebas Neue"/>
+                <a:sym typeface="Bebas Neue"/>
+              </a:defRPr>
+            </a:lvl9pPr>
+          </a:lstStyle>
+          <a:p>
+            <a:pPr algn="ctr"/>
+            <a:r>
+              <a:rPr lang="en-US" sz="2000" dirty="0" err="1">
+                <a:latin typeface="Bebas Neue" panose="020B0606020202050201" pitchFamily="34" charset="0"/>
+              </a:rPr>
+              <a:t>Realizat</a:t>
+            </a:r>
+            <a:r>
+              <a:rPr lang="en-US" sz="2000" dirty="0">
+                <a:latin typeface="Bebas Neue" panose="020B0606020202050201" pitchFamily="34" charset="0"/>
+              </a:rPr>
+              <a:t> de: </a:t>
+            </a:r>
+            <a:r>
+              <a:rPr lang="en-US" sz="2000" dirty="0" err="1">
+                <a:latin typeface="Bebas Neue" panose="020B0606020202050201" pitchFamily="34" charset="0"/>
+              </a:rPr>
+              <a:t>Petrache</a:t>
+            </a:r>
+            <a:r>
+              <a:rPr lang="en-US" sz="2000" dirty="0">
+                <a:latin typeface="Bebas Neue" panose="020B0606020202050201" pitchFamily="34" charset="0"/>
+              </a:rPr>
+              <a:t> Liviu</a:t>
+            </a:r>
+            <a:r>
+              <a:rPr lang="ro-RO" sz="2000">
+                <a:latin typeface="Bebas Neue" panose="020B0606020202050201" pitchFamily="34" charset="0"/>
+              </a:rPr>
+              <a:t>-</a:t>
+            </a:r>
+            <a:r>
+              <a:rPr lang="en-US" sz="2000">
+                <a:latin typeface="Bebas Neue" panose="020B0606020202050201" pitchFamily="34" charset="0"/>
+              </a:rPr>
+              <a:t>Andrei</a:t>
+            </a:r>
+            <a:endParaRPr lang="en-US" sz="2000" dirty="0">
+              <a:latin typeface="Bebas Neue" panose="020B0606020202050201" pitchFamily="34" charset="0"/>
+            </a:endParaRPr>
+          </a:p>
+          <a:p>
+            <a:pPr algn="ctr"/>
+            <a:r>
+              <a:rPr lang="en-US" sz="2000" dirty="0" err="1">
+                <a:latin typeface="Bebas Neue" panose="020B0606020202050201" pitchFamily="34" charset="0"/>
+              </a:rPr>
+              <a:t>Coordonat</a:t>
+            </a:r>
+            <a:r>
+              <a:rPr lang="en-US" sz="2000" dirty="0">
+                <a:latin typeface="Bebas Neue" panose="020B0606020202050201" pitchFamily="34" charset="0"/>
+              </a:rPr>
+              <a:t> de: Lect. Dr. </a:t>
+            </a:r>
+            <a:r>
+              <a:rPr lang="en-US" sz="2000" dirty="0" err="1">
+                <a:latin typeface="Bebas Neue" panose="020B0606020202050201" pitchFamily="34" charset="0"/>
+              </a:rPr>
+              <a:t>Vidra</a:t>
+            </a:r>
+            <a:r>
+              <a:rPr lang="ro-RO" sz="2000" dirty="0">
+                <a:latin typeface="Bebas Neue" panose="020B0606020202050201" pitchFamily="34" charset="0"/>
+              </a:rPr>
+              <a:t>șcu Cristian</a:t>
+            </a:r>
+            <a:endParaRPr lang="en-US" sz="2000" dirty="0">
+              <a:latin typeface="Bebas Neue" panose="020B0606020202050201" pitchFamily="34" charset="0"/>
+            </a:endParaRPr>
+          </a:p>
+        </p:txBody>
+      </p:sp>
     </p:spTree>
   </p:cSld>
   <p:clrMapOvr>
